--- a/Apresentação Vamo aí.pptx
+++ b/Apresentação Vamo aí.pptx
@@ -55171,7 +55171,7 @@
         </p:blipFill>
         <p:spPr>
           <a:xfrm>
-            <a:off x="3407588" y="3422274"/>
+            <a:off x="3407588" y="3498474"/>
             <a:ext cx="5964200" cy="3322350"/>
           </a:xfrm>
           <a:prstGeom prst="rect">
@@ -55216,7 +55216,7 @@
         </p:nvSpPr>
         <p:spPr>
           <a:xfrm>
-            <a:off x="182300" y="440767"/>
+            <a:off x="182300" y="364567"/>
             <a:ext cx="6208800" cy="5948100"/>
           </a:xfrm>
           <a:prstGeom prst="ellipse">
@@ -55281,7 +55281,7 @@
         </p:nvSpPr>
         <p:spPr>
           <a:xfrm>
-            <a:off x="892367" y="1042633"/>
+            <a:off x="892367" y="890233"/>
             <a:ext cx="4798800" cy="4577100"/>
           </a:xfrm>
           <a:prstGeom prst="ellipse">
@@ -55340,7 +55340,7 @@
         </p:nvSpPr>
         <p:spPr>
           <a:xfrm>
-            <a:off x="6935175" y="530850"/>
+            <a:off x="6935175" y="454650"/>
             <a:ext cx="4735500" cy="967500"/>
           </a:xfrm>
           <a:prstGeom prst="rect">
@@ -55430,7 +55430,7 @@
         </p:nvSpPr>
         <p:spPr>
           <a:xfrm>
-            <a:off x="7035958" y="2975675"/>
+            <a:off x="7035958" y="2899475"/>
             <a:ext cx="4930800" cy="1481100"/>
           </a:xfrm>
           <a:prstGeom prst="rect">
@@ -55527,7 +55527,7 @@
         </p:nvSpPr>
         <p:spPr>
           <a:xfrm>
-            <a:off x="1994367" y="2113134"/>
+            <a:off x="1994367" y="2036934"/>
             <a:ext cx="2619300" cy="2420100"/>
           </a:xfrm>
           <a:prstGeom prst="ellipse">
@@ -55592,7 +55592,7 @@
         </p:nvSpPr>
         <p:spPr>
           <a:xfrm>
-            <a:off x="2272675" y="2975667"/>
+            <a:off x="2272675" y="2899467"/>
             <a:ext cx="2213700" cy="610500"/>
           </a:xfrm>
           <a:prstGeom prst="rect">
@@ -55658,7 +55658,7 @@
         </p:nvSpPr>
         <p:spPr>
           <a:xfrm>
-            <a:off x="2422525" y="4688513"/>
+            <a:off x="2422525" y="4612313"/>
             <a:ext cx="1914000" cy="610500"/>
           </a:xfrm>
           <a:prstGeom prst="rect">
@@ -55724,7 +55724,7 @@
         </p:nvSpPr>
         <p:spPr>
           <a:xfrm>
-            <a:off x="2347033" y="5665492"/>
+            <a:off x="2347033" y="5589292"/>
             <a:ext cx="1914000" cy="610500"/>
           </a:xfrm>
           <a:prstGeom prst="rect">
@@ -55792,7 +55792,7 @@
         </p:nvCxnSpPr>
         <p:spPr>
           <a:xfrm flipH="1" rot="10800000">
-            <a:off x="4312175" y="5405892"/>
+            <a:off x="4312175" y="5329692"/>
             <a:ext cx="2516100" cy="343200"/>
           </a:xfrm>
           <a:prstGeom prst="straightConnector1">
@@ -55820,7 +55820,7 @@
         </p:nvCxnSpPr>
         <p:spPr>
           <a:xfrm flipH="1" rot="10800000">
-            <a:off x="4376758" y="3716225"/>
+            <a:off x="4376758" y="3640025"/>
             <a:ext cx="2659200" cy="972300"/>
           </a:xfrm>
           <a:prstGeom prst="straightConnector1">
@@ -55846,7 +55846,7 @@
         </p:nvCxnSpPr>
         <p:spPr>
           <a:xfrm flipH="1" rot="10800000">
-            <a:off x="4486267" y="1312450"/>
+            <a:off x="4486267" y="1236250"/>
             <a:ext cx="2448900" cy="1952400"/>
           </a:xfrm>
           <a:prstGeom prst="straightConnector1">
@@ -55872,7 +55872,7 @@
         </p:nvSpPr>
         <p:spPr>
           <a:xfrm>
-            <a:off x="6828275" y="4880292"/>
+            <a:off x="6828275" y="4804092"/>
             <a:ext cx="5202000" cy="1051200"/>
           </a:xfrm>
           <a:prstGeom prst="rect">
@@ -56446,7 +56446,7 @@
         </p:blipFill>
         <p:spPr>
           <a:xfrm>
-            <a:off x="6610966" y="4782486"/>
+            <a:off x="7563466" y="2930948"/>
             <a:ext cx="2381250" cy="1333501"/>
           </a:xfrm>
           <a:prstGeom prst="rect">
@@ -56458,6 +56458,120 @@
           </a:ln>
         </p:spPr>
       </p:pic>
+      <p:pic>
+        <p:nvPicPr>
+          <p:cNvPr id="351" name="Google Shape;351;p48"/>
+          <p:cNvPicPr preferRelativeResize="0"/>
+          <p:nvPr/>
+        </p:nvPicPr>
+        <p:blipFill>
+          <a:blip r:embed="rId7">
+            <a:alphaModFix/>
+          </a:blip>
+          <a:stretch>
+            <a:fillRect/>
+          </a:stretch>
+        </p:blipFill>
+        <p:spPr>
+          <a:xfrm>
+            <a:off x="6509374" y="4787337"/>
+            <a:ext cx="1333500" cy="1333500"/>
+          </a:xfrm>
+          <a:prstGeom prst="rect">
+            <a:avLst/>
+          </a:prstGeom>
+          <a:noFill/>
+          <a:ln>
+            <a:noFill/>
+          </a:ln>
+        </p:spPr>
+      </p:pic>
+      <p:pic>
+        <p:nvPicPr>
+          <p:cNvPr id="352" name="Google Shape;352;p48"/>
+          <p:cNvPicPr preferRelativeResize="0"/>
+          <p:nvPr/>
+        </p:nvPicPr>
+        <p:blipFill>
+          <a:blip r:embed="rId8">
+            <a:alphaModFix/>
+          </a:blip>
+          <a:stretch>
+            <a:fillRect/>
+          </a:stretch>
+        </p:blipFill>
+        <p:spPr>
+          <a:xfrm>
+            <a:off x="6196075" y="1277075"/>
+            <a:ext cx="2100876" cy="1130975"/>
+          </a:xfrm>
+          <a:prstGeom prst="rect">
+            <a:avLst/>
+          </a:prstGeom>
+          <a:noFill/>
+          <a:ln>
+            <a:noFill/>
+          </a:ln>
+        </p:spPr>
+      </p:pic>
+      <p:sp>
+        <p:nvSpPr>
+          <p:cNvPr id="353" name="Google Shape;353;p48"/>
+          <p:cNvSpPr txBox="1"/>
+          <p:nvPr/>
+        </p:nvSpPr>
+        <p:spPr>
+          <a:xfrm>
+            <a:off x="7359350" y="5112236"/>
+            <a:ext cx="3578700" cy="683700"/>
+          </a:xfrm>
+          <a:prstGeom prst="rect">
+            <a:avLst/>
+          </a:prstGeom>
+          <a:noFill/>
+          <a:ln>
+            <a:noFill/>
+          </a:ln>
+        </p:spPr>
+        <p:txBody>
+          <a:bodyPr anchorCtr="0" anchor="t" bIns="121900" lIns="121900" spcFirstLastPara="1" rIns="121900" wrap="square" tIns="121900">
+            <a:noAutofit/>
+          </a:bodyPr>
+          <a:lstStyle/>
+          <a:p>
+            <a:pPr indent="0" lvl="0" marL="0" marR="0" rtl="0" algn="ctr">
+              <a:lnSpc>
+                <a:spcPct val="100000"/>
+              </a:lnSpc>
+              <a:spcBef>
+                <a:spcPts val="0"/>
+              </a:spcBef>
+              <a:spcAft>
+                <a:spcPts val="0"/>
+              </a:spcAft>
+              <a:buClr>
+                <a:schemeClr val="dk1"/>
+              </a:buClr>
+              <a:buSzPts val="1100"/>
+              <a:buFont typeface="Arial"/>
+              <a:buNone/>
+            </a:pPr>
+            <a:r>
+              <a:rPr b="1" lang="pt-BR" sz="2400">
+                <a:solidFill>
+                  <a:schemeClr val="dk1"/>
+                </a:solidFill>
+              </a:rPr>
+              <a:t>Haversine</a:t>
+            </a:r>
+            <a:endParaRPr b="1" i="0" sz="2400" u="none" cap="none" strike="noStrike">
+              <a:solidFill>
+                <a:srgbClr val="000000"/>
+              </a:solidFill>
+            </a:endParaRPr>
+          </a:p>
+        </p:txBody>
+      </p:sp>
     </p:spTree>
   </p:cSld>
   <p:clrMapOvr>
@@ -56469,7 +56583,7 @@
 <file path=ppt/theme/theme1.xml><?xml version="1.0" encoding="utf-8"?>
 <a:theme xmlns:a="http://schemas.openxmlformats.org/drawingml/2006/main" xmlns:r="http://schemas.openxmlformats.org/officeDocument/2006/relationships" name="Tema do Office">
   <a:themeElements>
-    <a:clrScheme name="Office">
+    <a:clrScheme name="Escritório">
       <a:dk1>
         <a:srgbClr val="000000"/>
       </a:dk1>
@@ -56483,7 +56597,7 @@
         <a:srgbClr val="E7E6E6"/>
       </a:lt2>
       <a:accent1>
-        <a:srgbClr val="4472C4"/>
+        <a:srgbClr val="5B9BD5"/>
       </a:accent1>
       <a:accent2>
         <a:srgbClr val="ED7D31"/>
@@ -56495,7 +56609,7 @@
         <a:srgbClr val="FFC000"/>
       </a:accent4>
       <a:accent5>
-        <a:srgbClr val="5B9BD5"/>
+        <a:srgbClr val="4472C4"/>
       </a:accent5>
       <a:accent6>
         <a:srgbClr val="70AD47"/>
@@ -56746,9 +56860,9 @@
 </file>
 
 <file path=ppt/theme/theme2.xml><?xml version="1.0" encoding="utf-8"?>
-<a:theme xmlns:a="http://schemas.openxmlformats.org/drawingml/2006/main" xmlns:r="http://schemas.openxmlformats.org/officeDocument/2006/relationships" name="Celestial">
+<a:theme xmlns:a="http://schemas.openxmlformats.org/drawingml/2006/main" xmlns:r="http://schemas.openxmlformats.org/officeDocument/2006/relationships" name="Tema do Office">
   <a:themeElements>
-    <a:clrScheme name="Celestial">
+    <a:clrScheme name="Office">
       <a:dk1>
         <a:srgbClr val="000000"/>
       </a:dk1>
@@ -56756,34 +56870,34 @@
         <a:srgbClr val="FFFFFF"/>
       </a:lt1>
       <a:dk2>
-        <a:srgbClr val="18276C"/>
+        <a:srgbClr val="44546A"/>
       </a:dk2>
       <a:lt2>
-        <a:srgbClr val="EBEBEB"/>
+        <a:srgbClr val="E7E6E6"/>
       </a:lt2>
       <a:accent1>
-        <a:srgbClr val="AC3EC1"/>
+        <a:srgbClr val="4472C4"/>
       </a:accent1>
       <a:accent2>
-        <a:srgbClr val="477BD1"/>
+        <a:srgbClr val="ED7D31"/>
       </a:accent2>
       <a:accent3>
-        <a:srgbClr val="46B298"/>
+        <a:srgbClr val="A5A5A5"/>
       </a:accent3>
       <a:accent4>
-        <a:srgbClr val="90BA4C"/>
+        <a:srgbClr val="FFC000"/>
       </a:accent4>
       <a:accent5>
-        <a:srgbClr val="DD9D31"/>
+        <a:srgbClr val="5B9BD5"/>
       </a:accent5>
       <a:accent6>
-        <a:srgbClr val="E25247"/>
+        <a:srgbClr val="70AD47"/>
       </a:accent6>
       <a:hlink>
-        <a:srgbClr val="C573D2"/>
+        <a:srgbClr val="0563C1"/>
       </a:hlink>
       <a:folHlink>
-        <a:srgbClr val="CCAEE8"/>
+        <a:srgbClr val="954F72"/>
       </a:folHlink>
     </a:clrScheme>
     <a:fontScheme name="Office">
@@ -57304,9 +57418,9 @@
 </file>
 
 <file path=ppt/theme/theme4.xml><?xml version="1.0" encoding="utf-8"?>
-<a:theme xmlns:a="http://schemas.openxmlformats.org/drawingml/2006/main" xmlns:r="http://schemas.openxmlformats.org/officeDocument/2006/relationships" name="Tema do Office">
+<a:theme xmlns:a="http://schemas.openxmlformats.org/drawingml/2006/main" xmlns:r="http://schemas.openxmlformats.org/officeDocument/2006/relationships" name="Celestial">
   <a:themeElements>
-    <a:clrScheme name="Escritório">
+    <a:clrScheme name="Celestial">
       <a:dk1>
         <a:srgbClr val="000000"/>
       </a:dk1>
@@ -57314,34 +57428,34 @@
         <a:srgbClr val="FFFFFF"/>
       </a:lt1>
       <a:dk2>
-        <a:srgbClr val="44546A"/>
+        <a:srgbClr val="18276C"/>
       </a:dk2>
       <a:lt2>
-        <a:srgbClr val="E7E6E6"/>
+        <a:srgbClr val="EBEBEB"/>
       </a:lt2>
       <a:accent1>
-        <a:srgbClr val="5B9BD5"/>
+        <a:srgbClr val="AC3EC1"/>
       </a:accent1>
       <a:accent2>
-        <a:srgbClr val="ED7D31"/>
+        <a:srgbClr val="477BD1"/>
       </a:accent2>
       <a:accent3>
-        <a:srgbClr val="A5A5A5"/>
+        <a:srgbClr val="46B298"/>
       </a:accent3>
       <a:accent4>
-        <a:srgbClr val="FFC000"/>
+        <a:srgbClr val="90BA4C"/>
       </a:accent4>
       <a:accent5>
-        <a:srgbClr val="4472C4"/>
+        <a:srgbClr val="DD9D31"/>
       </a:accent5>
       <a:accent6>
-        <a:srgbClr val="70AD47"/>
+        <a:srgbClr val="E25247"/>
       </a:accent6>
       <a:hlink>
-        <a:srgbClr val="0563C1"/>
+        <a:srgbClr val="C573D2"/>
       </a:hlink>
       <a:folHlink>
-        <a:srgbClr val="954F72"/>
+        <a:srgbClr val="CCAEE8"/>
       </a:folHlink>
     </a:clrScheme>
     <a:fontScheme name="Office">

--- a/Apresentação Vamo aí.pptx
+++ b/Apresentação Vamo aí.pptx
@@ -16,6 +16,7 @@
     <p:sldId id="259" r:id="rId10"/>
     <p:sldId id="260" r:id="rId11"/>
     <p:sldId id="261" r:id="rId12"/>
+    <p:sldId id="262" r:id="rId13"/>
   </p:sldIdLst>
   <p:sldSz cy="6858000" cx="12192000"/>
   <p:notesSz cx="6858000" cy="9144000"/>
@@ -2419,6 +2420,124 @@
       <p:sp>
         <p:nvSpPr>
           <p:cNvPr id="340" name="Google Shape;340;p6:notes"/>
+          <p:cNvSpPr txBox="1"/>
+          <p:nvPr>
+            <p:ph idx="1" type="body"/>
+          </p:nvPr>
+        </p:nvSpPr>
+        <p:spPr>
+          <a:xfrm>
+            <a:off x="685800" y="4343400"/>
+            <a:ext cx="5486400" cy="4114800"/>
+          </a:xfrm>
+          <a:prstGeom prst="rect">
+            <a:avLst/>
+          </a:prstGeom>
+          <a:noFill/>
+          <a:ln>
+            <a:noFill/>
+          </a:ln>
+        </p:spPr>
+        <p:txBody>
+          <a:bodyPr anchorCtr="0" anchor="t" bIns="91425" lIns="91425" spcFirstLastPara="1" rIns="91425" wrap="square" tIns="91425">
+            <a:noAutofit/>
+          </a:bodyPr>
+          <a:lstStyle/>
+          <a:p>
+            <a:pPr indent="0" lvl="0" marL="0" rtl="0" algn="l">
+              <a:lnSpc>
+                <a:spcPct val="100000"/>
+              </a:lnSpc>
+              <a:spcBef>
+                <a:spcPts val="0"/>
+              </a:spcBef>
+              <a:spcAft>
+                <a:spcPts val="0"/>
+              </a:spcAft>
+              <a:buSzPts val="1100"/>
+              <a:buNone/>
+            </a:pPr>
+            <a:r>
+              <a:rPr lang="pt-BR"/>
+              <a:t>Quais os diferenciais, vantagens competitivas da solução</a:t>
+            </a:r>
+            <a:endParaRPr/>
+          </a:p>
+        </p:txBody>
+      </p:sp>
+    </p:spTree>
+  </p:cSld>
+  <p:clrMapOvr>
+    <a:masterClrMapping/>
+  </p:clrMapOvr>
+</p:notes>
+</file>
+
+<file path=ppt/notesSlides/notesSlide7.xml><?xml version="1.0" encoding="utf-8"?>
+<p:notes xmlns:a="http://schemas.openxmlformats.org/drawingml/2006/main" xmlns:r="http://schemas.openxmlformats.org/officeDocument/2006/relationships" xmlns:mc="http://schemas.openxmlformats.org/markup-compatibility/2006" xmlns:mv="urn:schemas-microsoft-com:mac:vml" xmlns:p="http://schemas.openxmlformats.org/presentationml/2006/main" xmlns:c="http://schemas.openxmlformats.org/drawingml/2006/chart" xmlns:dgm="http://schemas.openxmlformats.org/drawingml/2006/diagram" xmlns:o="urn:schemas-microsoft-com:office:office" xmlns:v="urn:schemas-microsoft-com:vml" xmlns:pvml="urn:schemas-microsoft-com:office:powerpoint" xmlns:com="http://schemas.openxmlformats.org/drawingml/2006/compatibility" xmlns:p14="http://schemas.microsoft.com/office/powerpoint/2010/main" xmlns:p15="http://schemas.microsoft.com/office/powerpoint/2012/main" showMasterPhAnim="0" showMasterSp="0">
+  <p:cSld>
+    <p:spTree>
+      <p:nvGrpSpPr>
+        <p:cNvPr id="354" name="Shape 354"/>
+        <p:cNvGrpSpPr/>
+        <p:nvPr/>
+      </p:nvGrpSpPr>
+      <p:grpSpPr>
+        <a:xfrm>
+          <a:off x="0" y="0"/>
+          <a:ext cx="0" cy="0"/>
+          <a:chOff x="0" y="0"/>
+          <a:chExt cx="0" cy="0"/>
+        </a:xfrm>
+      </p:grpSpPr>
+      <p:sp>
+        <p:nvSpPr>
+          <p:cNvPr id="355" name="Google Shape;355;g49bf296f82_0_3:notes"/>
+          <p:cNvSpPr/>
+          <p:nvPr>
+            <p:ph idx="2" type="sldImg"/>
+          </p:nvPr>
+        </p:nvSpPr>
+        <p:spPr>
+          <a:xfrm>
+            <a:off x="381000" y="685800"/>
+            <a:ext cx="6096000" cy="3429000"/>
+          </a:xfrm>
+          <a:custGeom>
+            <a:rect b="b" l="l" r="r" t="t"/>
+            <a:pathLst>
+              <a:path extrusionOk="0" h="120000" w="120000">
+                <a:moveTo>
+                  <a:pt x="0" y="0"/>
+                </a:moveTo>
+                <a:lnTo>
+                  <a:pt x="120000" y="0"/>
+                </a:lnTo>
+                <a:lnTo>
+                  <a:pt x="120000" y="120000"/>
+                </a:lnTo>
+                <a:lnTo>
+                  <a:pt x="0" y="120000"/>
+                </a:lnTo>
+                <a:close/>
+              </a:path>
+            </a:pathLst>
+          </a:custGeom>
+          <a:noFill/>
+          <a:ln cap="flat" cmpd="sng" w="9525">
+            <a:solidFill>
+              <a:srgbClr val="000000"/>
+            </a:solidFill>
+            <a:prstDash val="solid"/>
+            <a:round/>
+            <a:headEnd len="sm" w="sm" type="none"/>
+            <a:tailEnd len="sm" w="sm" type="none"/>
+          </a:ln>
+        </p:spPr>
+      </p:sp>
+      <p:sp>
+        <p:nvSpPr>
+          <p:cNvPr id="356" name="Google Shape;356;g49bf296f82_0_3:notes"/>
           <p:cNvSpPr txBox="1"/>
           <p:nvPr>
             <p:ph idx="1" type="body"/>
@@ -56580,10 +56699,62 @@
 </p:sld>
 </file>
 
+<file path=ppt/slides/slide7.xml><?xml version="1.0" encoding="utf-8"?>
+<p:sld xmlns:a="http://schemas.openxmlformats.org/drawingml/2006/main" xmlns:r="http://schemas.openxmlformats.org/officeDocument/2006/relationships" xmlns:mc="http://schemas.openxmlformats.org/markup-compatibility/2006" xmlns:mv="urn:schemas-microsoft-com:mac:vml" xmlns:p="http://schemas.openxmlformats.org/presentationml/2006/main" xmlns:c="http://schemas.openxmlformats.org/drawingml/2006/chart" xmlns:dgm="http://schemas.openxmlformats.org/drawingml/2006/diagram" xmlns:o="urn:schemas-microsoft-com:office:office" xmlns:v="urn:schemas-microsoft-com:vml" xmlns:pvml="urn:schemas-microsoft-com:office:powerpoint" xmlns:com="http://schemas.openxmlformats.org/drawingml/2006/compatibility" xmlns:p14="http://schemas.microsoft.com/office/powerpoint/2010/main" xmlns:p15="http://schemas.microsoft.com/office/powerpoint/2012/main">
+  <p:cSld>
+    <p:spTree>
+      <p:nvGrpSpPr>
+        <p:cNvPr id="357" name="Shape 357"/>
+        <p:cNvGrpSpPr/>
+        <p:nvPr/>
+      </p:nvGrpSpPr>
+      <p:grpSpPr>
+        <a:xfrm>
+          <a:off x="0" y="0"/>
+          <a:ext cx="0" cy="0"/>
+          <a:chOff x="0" y="0"/>
+          <a:chExt cx="0" cy="0"/>
+        </a:xfrm>
+      </p:grpSpPr>
+      <p:pic>
+        <p:nvPicPr>
+          <p:cNvPr id="358" name="Google Shape;358;p49"/>
+          <p:cNvPicPr preferRelativeResize="0"/>
+          <p:nvPr/>
+        </p:nvPicPr>
+        <p:blipFill rotWithShape="1">
+          <a:blip r:embed="rId3">
+            <a:alphaModFix/>
+          </a:blip>
+          <a:srcRect b="17478" l="3447" r="20442" t="9018"/>
+          <a:stretch/>
+        </p:blipFill>
+        <p:spPr>
+          <a:xfrm>
+            <a:off x="351775" y="474500"/>
+            <a:ext cx="10893200" cy="5908976"/>
+          </a:xfrm>
+          <a:prstGeom prst="rect">
+            <a:avLst/>
+          </a:prstGeom>
+          <a:noFill/>
+          <a:ln>
+            <a:noFill/>
+          </a:ln>
+        </p:spPr>
+      </p:pic>
+    </p:spTree>
+  </p:cSld>
+  <p:clrMapOvr>
+    <a:masterClrMapping/>
+  </p:clrMapOvr>
+</p:sld>
+</file>
+
 <file path=ppt/theme/theme1.xml><?xml version="1.0" encoding="utf-8"?>
-<a:theme xmlns:a="http://schemas.openxmlformats.org/drawingml/2006/main" xmlns:r="http://schemas.openxmlformats.org/officeDocument/2006/relationships" name="Tema do Office">
+<a:theme xmlns:a="http://schemas.openxmlformats.org/drawingml/2006/main" xmlns:r="http://schemas.openxmlformats.org/officeDocument/2006/relationships" name="Celestial">
   <a:themeElements>
-    <a:clrScheme name="Escritório">
+    <a:clrScheme name="Celestial">
       <a:dk1>
         <a:srgbClr val="000000"/>
       </a:dk1>
@@ -56591,34 +56762,34 @@
         <a:srgbClr val="FFFFFF"/>
       </a:lt1>
       <a:dk2>
-        <a:srgbClr val="44546A"/>
+        <a:srgbClr val="18276C"/>
       </a:dk2>
       <a:lt2>
-        <a:srgbClr val="E7E6E6"/>
+        <a:srgbClr val="EBEBEB"/>
       </a:lt2>
       <a:accent1>
-        <a:srgbClr val="5B9BD5"/>
+        <a:srgbClr val="AC3EC1"/>
       </a:accent1>
       <a:accent2>
-        <a:srgbClr val="ED7D31"/>
+        <a:srgbClr val="477BD1"/>
       </a:accent2>
       <a:accent3>
-        <a:srgbClr val="A5A5A5"/>
+        <a:srgbClr val="46B298"/>
       </a:accent3>
       <a:accent4>
-        <a:srgbClr val="FFC000"/>
+        <a:srgbClr val="90BA4C"/>
       </a:accent4>
       <a:accent5>
-        <a:srgbClr val="4472C4"/>
+        <a:srgbClr val="DD9D31"/>
       </a:accent5>
       <a:accent6>
-        <a:srgbClr val="70AD47"/>
+        <a:srgbClr val="E25247"/>
       </a:accent6>
       <a:hlink>
-        <a:srgbClr val="0563C1"/>
+        <a:srgbClr val="C573D2"/>
       </a:hlink>
       <a:folHlink>
-        <a:srgbClr val="954F72"/>
+        <a:srgbClr val="CCAEE8"/>
       </a:folHlink>
     </a:clrScheme>
     <a:fontScheme name="Office">
@@ -56862,7 +57033,7 @@
 <file path=ppt/theme/theme2.xml><?xml version="1.0" encoding="utf-8"?>
 <a:theme xmlns:a="http://schemas.openxmlformats.org/drawingml/2006/main" xmlns:r="http://schemas.openxmlformats.org/officeDocument/2006/relationships" name="Tema do Office">
   <a:themeElements>
-    <a:clrScheme name="Office">
+    <a:clrScheme name="Escritório">
       <a:dk1>
         <a:srgbClr val="000000"/>
       </a:dk1>
@@ -56876,7 +57047,7 @@
         <a:srgbClr val="E7E6E6"/>
       </a:lt2>
       <a:accent1>
-        <a:srgbClr val="4472C4"/>
+        <a:srgbClr val="5B9BD5"/>
       </a:accent1>
       <a:accent2>
         <a:srgbClr val="ED7D31"/>
@@ -56888,7 +57059,7 @@
         <a:srgbClr val="FFC000"/>
       </a:accent4>
       <a:accent5>
-        <a:srgbClr val="5B9BD5"/>
+        <a:srgbClr val="4472C4"/>
       </a:accent5>
       <a:accent6>
         <a:srgbClr val="70AD47"/>
@@ -57418,9 +57589,9 @@
 </file>
 
 <file path=ppt/theme/theme4.xml><?xml version="1.0" encoding="utf-8"?>
-<a:theme xmlns:a="http://schemas.openxmlformats.org/drawingml/2006/main" xmlns:r="http://schemas.openxmlformats.org/officeDocument/2006/relationships" name="Celestial">
+<a:theme xmlns:a="http://schemas.openxmlformats.org/drawingml/2006/main" xmlns:r="http://schemas.openxmlformats.org/officeDocument/2006/relationships" name="Tema do Office">
   <a:themeElements>
-    <a:clrScheme name="Celestial">
+    <a:clrScheme name="Office">
       <a:dk1>
         <a:srgbClr val="000000"/>
       </a:dk1>
@@ -57428,34 +57599,34 @@
         <a:srgbClr val="FFFFFF"/>
       </a:lt1>
       <a:dk2>
-        <a:srgbClr val="18276C"/>
+        <a:srgbClr val="44546A"/>
       </a:dk2>
       <a:lt2>
-        <a:srgbClr val="EBEBEB"/>
+        <a:srgbClr val="E7E6E6"/>
       </a:lt2>
       <a:accent1>
-        <a:srgbClr val="AC3EC1"/>
+        <a:srgbClr val="4472C4"/>
       </a:accent1>
       <a:accent2>
-        <a:srgbClr val="477BD1"/>
+        <a:srgbClr val="ED7D31"/>
       </a:accent2>
       <a:accent3>
-        <a:srgbClr val="46B298"/>
+        <a:srgbClr val="A5A5A5"/>
       </a:accent3>
       <a:accent4>
-        <a:srgbClr val="90BA4C"/>
+        <a:srgbClr val="FFC000"/>
       </a:accent4>
       <a:accent5>
-        <a:srgbClr val="DD9D31"/>
+        <a:srgbClr val="5B9BD5"/>
       </a:accent5>
       <a:accent6>
-        <a:srgbClr val="E25247"/>
+        <a:srgbClr val="70AD47"/>
       </a:accent6>
       <a:hlink>
-        <a:srgbClr val="C573D2"/>
+        <a:srgbClr val="0563C1"/>
       </a:hlink>
       <a:folHlink>
-        <a:srgbClr val="CCAEE8"/>
+        <a:srgbClr val="954F72"/>
       </a:folHlink>
     </a:clrScheme>
     <a:fontScheme name="Office">
